--- a/introduce.pptx
+++ b/introduce.pptx
@@ -12994,8 +12994,8 @@
         </p:nvSpPr>
         <p:spPr>
           <a:xfrm>
-            <a:off x="371475" y="552380"/>
-            <a:ext cx="8772525" cy="1739700"/>
+            <a:off x="1090612" y="1194772"/>
+            <a:ext cx="6962775" cy="629968"/>
           </a:xfrm>
           <a:prstGeom prst="rect">
             <a:avLst/>
@@ -13007,7 +13007,7 @@
           </a:bodyPr>
           <a:lstStyle/>
           <a:p>
-            <a:pPr marL="0" lvl="0" indent="0" algn="l" rtl="0">
+            <a:pPr marL="0" lvl="0" indent="0" rtl="0">
               <a:spcBef>
                 <a:spcPts val="0"/>
               </a:spcBef>
@@ -13018,21 +13018,7 @@
             </a:pPr>
             <a:r>
               <a:rPr lang="vi-VN" sz="3500" dirty="0"/>
-              <a:t>HIỂN THỊ NỘI DỤNG LÊN LCD:</a:t>
-            </a:r>
-            <a:br>
-              <a:rPr lang="vi-VN" sz="3500" dirty="0"/>
-            </a:br>
-            <a:r>
-              <a:rPr lang="vi-VN" sz="3500" dirty="0"/>
-              <a:t>1. DÒNG 1: HIỂN THỊ HỌ VÀ TÊN</a:t>
-            </a:r>
-            <a:br>
-              <a:rPr lang="vi-VN" sz="3500" dirty="0"/>
-            </a:br>
-            <a:r>
-              <a:rPr lang="vi-VN" sz="3500" dirty="0"/>
-              <a:t>2. DÒNG 2: ĐẾM GIỜ, ĐẾM PHÚT, ĐẾM GIÂY</a:t>
+              <a:t>ĐẾM SẢN PHẨM DÙNG TIMER0</a:t>
             </a:r>
           </a:p>
         </p:txBody>
@@ -13049,7 +13035,7 @@
         </p:nvSpPr>
         <p:spPr>
           <a:xfrm>
-            <a:off x="4395776" y="2200251"/>
+            <a:off x="4314814" y="2011272"/>
             <a:ext cx="6397800" cy="1315356"/>
           </a:xfrm>
           <a:prstGeom prst="rect">
